--- a/Slides/slides.pptx
+++ b/Slides/slides.pptx
@@ -6630,7 +6630,7 @@
                   <a:srgbClr val="3C8AC5"/>
                 </a:solidFill>
               </a:rPr>
-              <a:t>”        subset of “data” based on row information (“observations”)</a:t>
+              <a:t>”        subset of “data” based on row information (“subset on observations/rows”)</a:t>
             </a:r>
           </a:p>
           <a:p>
@@ -6649,7 +6649,7 @@
                   <a:srgbClr val="3C8AC5"/>
                 </a:solidFill>
               </a:rPr>
-              <a:t>“j”        states what to execute for the columns      (“variables”)</a:t>
+              <a:t>“j”        states what to execute for the columns      (“execute on variables/columns”)</a:t>
             </a:r>
           </a:p>
           <a:p>
@@ -7186,7 +7186,7 @@
         <p:spPr>
           <a:xfrm>
             <a:off x="562488" y="1817310"/>
-            <a:ext cx="11166092" cy="2000507"/>
+            <a:ext cx="11166092" cy="2308284"/>
           </a:xfrm>
           <a:prstGeom prst="rect">
             <a:avLst/>
@@ -7268,7 +7268,26 @@
                   <a:srgbClr val="3C8AC5"/>
                 </a:solidFill>
               </a:rPr>
-              <a:t>data2 &lt;- data[age &gt;= 16, .(sex = sex, </a:t>
+              <a:t>Situation: A three-variable dataset (ID, age, income) reflecting yearly income data (repeated obs.)</a:t>
+            </a:r>
+          </a:p>
+          <a:p>
+            <a:pPr marL="0" marR="0" lvl="0" indent="0" algn="l" rtl="0">
+              <a:spcBef>
+                <a:spcPts val="0"/>
+              </a:spcBef>
+              <a:spcAft>
+                <a:spcPts val="0"/>
+              </a:spcAft>
+              <a:buNone/>
+            </a:pPr>
+            <a:r>
+              <a:rPr lang="en-GB" sz="2000" dirty="0">
+                <a:solidFill>
+                  <a:srgbClr val="3C8AC5"/>
+                </a:solidFill>
+              </a:rPr>
+              <a:t>data2 &lt;- data[age &gt;= 16, .(</a:t>
             </a:r>
             <a:r>
               <a:rPr lang="en-GB" sz="2000" dirty="0" err="1">
@@ -7485,18 +7504,33 @@
             </a:endParaRPr>
           </a:p>
           <a:p>
-            <a:pPr marL="0" marR="0" lvl="0" indent="0" algn="l" rtl="0">
-              <a:spcBef>
-                <a:spcPts val="0"/>
-              </a:spcBef>
-              <a:spcAft>
-                <a:spcPts val="0"/>
-              </a:spcAft>
-              <a:buNone/>
-            </a:pPr>
             <a:r>
               <a:rPr lang="en-GB" sz="2000" dirty="0">
                 <a:solidFill>
+                  <a:srgbClr val="3C8AC5"/>
+                </a:solidFill>
+              </a:rPr>
+              <a:t>Situation: A three-variable dataset (ID, age, income) reflecting yearly income data (repeated obs.)</a:t>
+            </a:r>
+            <a:endParaRPr lang="en-GB" sz="2000" dirty="0">
+              <a:solidFill>
+                <a:schemeClr val="accent2"/>
+              </a:solidFill>
+            </a:endParaRPr>
+          </a:p>
+          <a:p>
+            <a:pPr marL="0" marR="0" lvl="0" indent="0" algn="l" rtl="0">
+              <a:spcBef>
+                <a:spcPts val="0"/>
+              </a:spcBef>
+              <a:spcAft>
+                <a:spcPts val="0"/>
+              </a:spcAft>
+              <a:buNone/>
+            </a:pPr>
+            <a:r>
+              <a:rPr lang="en-GB" sz="2000" dirty="0">
+                <a:solidFill>
                   <a:schemeClr val="accent2"/>
                 </a:solidFill>
               </a:rPr>
@@ -7532,7 +7566,7 @@
                   <a:schemeClr val="accent4"/>
                 </a:solidFill>
               </a:rPr>
-              <a:t>.(sex = sex, </a:t>
+              <a:t>.(</a:t>
             </a:r>
             <a:r>
               <a:rPr lang="en-GB" sz="2000" dirty="0" err="1">
@@ -7601,7 +7635,7 @@
                 </a:solidFill>
                 <a:sym typeface="Wingdings" panose="05000000000000000000" pitchFamily="2" charset="2"/>
               </a:rPr>
-              <a:t>… assign to a new object data2 something that comes out of data</a:t>
+              <a:t>… assign to a new object data2 something that comes out of data, new data will have 1 row per ID</a:t>
             </a:r>
           </a:p>
           <a:p>
@@ -7621,7 +7655,7 @@
                 </a:solidFill>
                 <a:sym typeface="Wingdings" panose="05000000000000000000" pitchFamily="2" charset="2"/>
               </a:rPr>
-              <a:t>… subset for those aged 16 or older</a:t>
+              <a:t>… subset is what comes before the comma: select those aged 16 or older</a:t>
             </a:r>
           </a:p>
           <a:p>
@@ -7641,7 +7675,7 @@
                 </a:solidFill>
                 <a:sym typeface="Wingdings" panose="05000000000000000000" pitchFamily="2" charset="2"/>
               </a:rPr>
-              <a:t>… returns a dataset which will contain “sex” (unchanged), “</a:t>
+              <a:t>… the new variable “</a:t>
             </a:r>
             <a:r>
               <a:rPr lang="en-GB" sz="2000" dirty="0" err="1">
@@ -7659,7 +7693,7 @@
                 </a:solidFill>
                 <a:sym typeface="Wingdings" panose="05000000000000000000" pitchFamily="2" charset="2"/>
               </a:rPr>
-              <a:t>”, and the group by “ID”</a:t>
+              <a:t>” is the median income of all recorded incomes of the subset </a:t>
             </a:r>
           </a:p>
           <a:p>
@@ -7675,49 +7709,11 @@
             <a:r>
               <a:rPr lang="en-GB" sz="2000" dirty="0">
                 <a:solidFill>
-                  <a:schemeClr val="accent4"/>
+                  <a:srgbClr val="7030A0"/>
                 </a:solidFill>
                 <a:sym typeface="Wingdings" panose="05000000000000000000" pitchFamily="2" charset="2"/>
               </a:rPr>
-              <a:t>… the new variable “</a:t>
-            </a:r>
-            <a:r>
-              <a:rPr lang="en-GB" sz="2000" dirty="0" err="1">
-                <a:solidFill>
-                  <a:schemeClr val="accent4"/>
-                </a:solidFill>
-                <a:sym typeface="Wingdings" panose="05000000000000000000" pitchFamily="2" charset="2"/>
-              </a:rPr>
-              <a:t>income_median</a:t>
-            </a:r>
-            <a:r>
-              <a:rPr lang="en-GB" sz="2000" dirty="0">
-                <a:solidFill>
-                  <a:schemeClr val="accent4"/>
-                </a:solidFill>
-                <a:sym typeface="Wingdings" panose="05000000000000000000" pitchFamily="2" charset="2"/>
-              </a:rPr>
-              <a:t>” is the income of all recorded medians of the subset </a:t>
-            </a:r>
-          </a:p>
-          <a:p>
-            <a:pPr marL="0" marR="0" lvl="0" indent="0" algn="l" rtl="0">
-              <a:spcBef>
-                <a:spcPts val="0"/>
-              </a:spcBef>
-              <a:spcAft>
-                <a:spcPts val="0"/>
-              </a:spcAft>
-              <a:buNone/>
-            </a:pPr>
-            <a:r>
-              <a:rPr lang="en-GB" sz="2000" dirty="0">
-                <a:solidFill>
-                  <a:srgbClr val="7030A0"/>
-                </a:solidFill>
-                <a:sym typeface="Wingdings" panose="05000000000000000000" pitchFamily="2" charset="2"/>
-              </a:rPr>
-              <a:t>… which was established separately for all “IDs” (as there are multiple records per “ID”)</a:t>
+              <a:t>… which was established separately for all “IDs” (e.g., there are multiple income records per “ID”)</a:t>
             </a:r>
           </a:p>
         </p:txBody>
@@ -7986,7 +7982,7 @@
         </p:nvSpPr>
         <p:spPr>
           <a:xfrm>
-            <a:off x="3709681" y="4946367"/>
+            <a:off x="4062766" y="5050483"/>
             <a:ext cx="5289463" cy="461665"/>
           </a:xfrm>
           <a:prstGeom prst="rect">
@@ -8046,8 +8042,8 @@
         </p:blipFill>
         <p:spPr bwMode="auto">
           <a:xfrm>
-            <a:off x="2254314" y="4552348"/>
-            <a:ext cx="1249705" cy="1249705"/>
+            <a:off x="2251745" y="4552348"/>
+            <a:ext cx="1457936" cy="1457936"/>
           </a:xfrm>
           <a:prstGeom prst="rect">
             <a:avLst/>
@@ -8191,7 +8187,7 @@
                   <a:srgbClr val="3C8AC5"/>
                 </a:solidFill>
               </a:rPr>
-              <a:t>Learning Objectives:</a:t>
+              <a:t>Objectives: Big Picture + Transferable Skills + Strong Foundation</a:t>
             </a:r>
           </a:p>
           <a:p>
@@ -8370,7 +8366,7 @@
                   <a:srgbClr val="3C8AC5"/>
                 </a:solidFill>
               </a:rPr>
-              <a:t>’ - basic functions, subsets, creating new variables, group by operations, reshaping data etc.</a:t>
+              <a:t>’ - basic functions, subsets, creating new variables, group by operations, reshaping data “wide to long” &amp; “long to wide”</a:t>
             </a:r>
           </a:p>
           <a:p>
@@ -8666,14 +8662,11 @@
               </a:rPr>
               <a:t>https://tysonbarrett.com//jekyll/update/2019/10/06/datatable_memory/</a:t>
             </a:r>
-            <a:r>
-              <a:rPr lang="en-GB" sz="1800" dirty="0">
-                <a:solidFill>
-                  <a:srgbClr val="3C8AC5"/>
-                </a:solidFill>
-              </a:rPr>
-              <a:t>]</a:t>
-            </a:r>
+            <a:endParaRPr lang="en-GB" sz="1800" dirty="0">
+              <a:solidFill>
+                <a:srgbClr val="3C8AC5"/>
+              </a:solidFill>
+            </a:endParaRPr>
           </a:p>
           <a:p>
             <a:pPr marL="0" marR="0" lvl="0" indent="0" algn="l" rtl="0">
@@ -10940,7 +10933,7 @@
                   <a:srgbClr val="3C8AC5"/>
                 </a:solidFill>
               </a:rPr>
-              <a:t>2) Despite lots of progress, memory (RAM) and processing (CPU) are still limited resources</a:t>
+              <a:t>2) Memory (RAM) and processing capacity (CPU) have remained limited resources</a:t>
             </a:r>
           </a:p>
           <a:p>
@@ -10975,7 +10968,7 @@
                   <a:srgbClr val="3C8AC5"/>
                 </a:solidFill>
               </a:rPr>
-              <a:t>While R is a fantastic programming language, “standard” R (e.g. through base, </a:t>
+              <a:t>While R is a fantastic programming language, “standard” R (e.g. through base or </a:t>
             </a:r>
             <a:r>
               <a:rPr lang="en-GB" sz="2000" dirty="0" err="1">
@@ -10983,7 +10976,7 @@
                   <a:srgbClr val="3C8AC5"/>
                 </a:solidFill>
               </a:rPr>
-              <a:t>dplyr</a:t>
+              <a:t>tidyverse</a:t>
             </a:r>
             <a:r>
               <a:rPr lang="en-GB" sz="2000" dirty="0">
@@ -10991,7 +10984,7 @@
                   <a:srgbClr val="3C8AC5"/>
                 </a:solidFill>
               </a:rPr>
-              <a:t> etc.) is not the most efficient/safest/futureproof/portable/updateable/….. way of working</a:t>
+              <a:t>) is not an efficient/safe/futureproof/portable/updateable/….. way of working</a:t>
             </a:r>
           </a:p>
           <a:p>
@@ -11026,7 +11019,7 @@
                   <a:srgbClr val="3C8AC5"/>
                 </a:solidFill>
               </a:rPr>
-              <a:t>Even worse! “Standard” R’s limitations further fuel the problems that come from 1) and 2)</a:t>
+              <a:t>Even worse! The limitations of “standard” R will fuel the problems that come from 1) and 2) </a:t>
             </a:r>
           </a:p>
           <a:p>
@@ -11206,7 +11199,7 @@
                   <a:srgbClr val="3C8AC5"/>
                 </a:solidFill>
               </a:rPr>
-              <a:t>“Standard” R’s limitations </a:t>
+              <a:t>“Standard” R’s limitations</a:t>
             </a:r>
           </a:p>
           <a:p>
@@ -12244,6 +12237,22 @@
                   <a:srgbClr val="3C8AC5"/>
                 </a:solidFill>
               </a:rPr>
+              <a:t>fread</a:t>
+            </a:r>
+            <a:r>
+              <a:rPr lang="en-GB" sz="2000" dirty="0">
+                <a:solidFill>
+                  <a:srgbClr val="3C8AC5"/>
+                </a:solidFill>
+              </a:rPr>
+              <a:t>, </a:t>
+            </a:r>
+            <a:r>
+              <a:rPr lang="en-GB" sz="2000" dirty="0" err="1">
+                <a:solidFill>
+                  <a:srgbClr val="3C8AC5"/>
+                </a:solidFill>
+              </a:rPr>
               <a:t>fwrite</a:t>
             </a:r>
             <a:r>
@@ -12252,23 +12261,7 @@
                   <a:srgbClr val="3C8AC5"/>
                 </a:solidFill>
               </a:rPr>
-              <a:t>, </a:t>
-            </a:r>
-            <a:r>
-              <a:rPr lang="en-GB" sz="2000" dirty="0" err="1">
-                <a:solidFill>
-                  <a:srgbClr val="3C8AC5"/>
-                </a:solidFill>
-              </a:rPr>
-              <a:t>fsave</a:t>
-            </a:r>
-            <a:r>
-              <a:rPr lang="en-GB" sz="2000" dirty="0">
-                <a:solidFill>
-                  <a:srgbClr val="3C8AC5"/>
-                </a:solidFill>
-              </a:rPr>
-              <a:t>, or for reshaping)</a:t>
+              <a:t>, or for reshaping long-wide / wide-long )</a:t>
             </a:r>
             <a:endParaRPr lang="en-GB" sz="2000" dirty="0">
               <a:solidFill>
@@ -12316,7 +12309,7 @@
                   <a:srgbClr val="3C8AC5"/>
                 </a:solidFill>
               </a:rPr>
-              <a:t>with some similarities to SQL or C/C++</a:t>
+              <a:t>with some degree of similarity to SQL or C/C++ code</a:t>
             </a:r>
             <a:endParaRPr lang="en-GB" sz="2000" b="1" dirty="0">
               <a:solidFill>
@@ -12356,7 +12349,7 @@
                   <a:srgbClr val="3C8AC5"/>
                 </a:solidFill>
               </a:rPr>
-              <a:t>3) A unique chance to think about our computing, </a:t>
+              <a:t>3) A unique chance to learn about R and computing, </a:t>
             </a:r>
             <a:r>
               <a:rPr lang="en-GB" sz="2000" dirty="0">
@@ -12364,7 +12357,7 @@
                   <a:srgbClr val="3C8AC5"/>
                 </a:solidFill>
               </a:rPr>
-              <a:t>with the aim of improving processes and futureproofing our work.</a:t>
+              <a:t>with the aim of improving processes and futureproofing our work </a:t>
             </a:r>
           </a:p>
           <a:p>

--- a/Slides/slides.pptx
+++ b/Slides/slides.pptx
@@ -270,7 +270,7 @@
       <p15:sldGuideLst xmlns:p15="http://schemas.microsoft.com/office/powerpoint/2012/main"/>
     </p:ext>
     <p:ext uri="GoogleSlidesCustomDataVersion2">
-      <go:slidesCustomData xmlns:go="http://customooxmlschemas.google.com/" xmlns:ahyp="http://schemas.microsoft.com/office/drawing/2018/hyperlinkcolor" xmlns:p15="http://schemas.microsoft.com/office/powerpoint/2012/main" xmlns:p14="http://schemas.microsoft.com/office/powerpoint/2010/main" xmlns:com="http://schemas.openxmlformats.org/drawingml/2006/compatibility" xmlns:pvml="urn:schemas-microsoft-com:office:powerpoint" xmlns:v="urn:schemas-microsoft-com:vml" xmlns:o="urn:schemas-microsoft-com:office:office" xmlns:dgm="http://schemas.openxmlformats.org/drawingml/2006/diagram" xmlns:c="http://schemas.openxmlformats.org/drawingml/2006/chart" xmlns:mv="urn:schemas-microsoft-com:mac:vml" xmlns:mc="http://schemas.openxmlformats.org/markup-compatibility/2006" xmlns="" r:id="rId59" roundtripDataSignature="AMtx7mgk/S3d9qAny39CBToq7R24Kcfj/Q=="/>
+      <go:slidesCustomData xmlns="" xmlns:mc="http://schemas.openxmlformats.org/markup-compatibility/2006" xmlns:mv="urn:schemas-microsoft-com:mac:vml" xmlns:c="http://schemas.openxmlformats.org/drawingml/2006/chart" xmlns:dgm="http://schemas.openxmlformats.org/drawingml/2006/diagram" xmlns:o="urn:schemas-microsoft-com:office:office" xmlns:v="urn:schemas-microsoft-com:vml" xmlns:pvml="urn:schemas-microsoft-com:office:powerpoint" xmlns:com="http://schemas.openxmlformats.org/drawingml/2006/compatibility" xmlns:p14="http://schemas.microsoft.com/office/powerpoint/2010/main" xmlns:p15="http://schemas.microsoft.com/office/powerpoint/2012/main" xmlns:ahyp="http://schemas.microsoft.com/office/drawing/2018/hyperlinkcolor" xmlns:go="http://customooxmlschemas.google.com/" r:id="rId59" roundtripDataSignature="AMtx7mgk/S3d9qAny39CBToq7R24Kcfj/Q=="/>
     </p:ext>
   </p:extLst>
 </p:presentation>

--- a/Slides/slides.pptx
+++ b/Slides/slides.pptx
@@ -270,7 +270,7 @@
       <p15:sldGuideLst xmlns:p15="http://schemas.microsoft.com/office/powerpoint/2012/main"/>
     </p:ext>
     <p:ext uri="GoogleSlidesCustomDataVersion2">
-      <go:slidesCustomData xmlns="" xmlns:mc="http://schemas.openxmlformats.org/markup-compatibility/2006" xmlns:mv="urn:schemas-microsoft-com:mac:vml" xmlns:c="http://schemas.openxmlformats.org/drawingml/2006/chart" xmlns:dgm="http://schemas.openxmlformats.org/drawingml/2006/diagram" xmlns:o="urn:schemas-microsoft-com:office:office" xmlns:v="urn:schemas-microsoft-com:vml" xmlns:pvml="urn:schemas-microsoft-com:office:powerpoint" xmlns:com="http://schemas.openxmlformats.org/drawingml/2006/compatibility" xmlns:p14="http://schemas.microsoft.com/office/powerpoint/2010/main" xmlns:p15="http://schemas.microsoft.com/office/powerpoint/2012/main" xmlns:ahyp="http://schemas.microsoft.com/office/drawing/2018/hyperlinkcolor" xmlns:go="http://customooxmlschemas.google.com/" r:id="rId59" roundtripDataSignature="AMtx7mgk/S3d9qAny39CBToq7R24Kcfj/Q=="/>
+      <go:slidesCustomData xmlns:go="http://customooxmlschemas.google.com/" xmlns:ahyp="http://schemas.microsoft.com/office/drawing/2018/hyperlinkcolor" xmlns:p15="http://schemas.microsoft.com/office/powerpoint/2012/main" xmlns:p14="http://schemas.microsoft.com/office/powerpoint/2010/main" xmlns:com="http://schemas.openxmlformats.org/drawingml/2006/compatibility" xmlns:pvml="urn:schemas-microsoft-com:office:powerpoint" xmlns:v="urn:schemas-microsoft-com:vml" xmlns:o="urn:schemas-microsoft-com:office:office" xmlns:dgm="http://schemas.openxmlformats.org/drawingml/2006/diagram" xmlns:c="http://schemas.openxmlformats.org/drawingml/2006/chart" xmlns:mv="urn:schemas-microsoft-com:mac:vml" xmlns:mc="http://schemas.openxmlformats.org/markup-compatibility/2006" xmlns="" r:id="rId59" roundtripDataSignature="AMtx7mgk/S3d9qAny39CBToq7R24Kcfj/Q=="/>
     </p:ext>
   </p:extLst>
 </p:presentation>
@@ -7982,8 +7982,8 @@
         </p:nvSpPr>
         <p:spPr>
           <a:xfrm>
-            <a:off x="4062766" y="5050483"/>
-            <a:ext cx="5289463" cy="461665"/>
+            <a:off x="2446333" y="4923734"/>
+            <a:ext cx="7299333" cy="830997"/>
           </a:xfrm>
           <a:prstGeom prst="rect">
             <a:avLst/>
@@ -8003,8 +8003,15 @@
                 </a:solidFill>
                 <a:hlinkClick r:id="rId3"/>
               </a:rPr>
-              <a:t>https://github.com/AndreasxHoehn </a:t>
-            </a:r>
+              <a:t>https://github.com/AndreasxHoehn/2024_RDS_DT</a:t>
+            </a:r>
+            <a:endParaRPr lang="en-GB" sz="2400" dirty="0">
+              <a:solidFill>
+                <a:srgbClr val="3C8AC5"/>
+              </a:solidFill>
+            </a:endParaRPr>
+          </a:p>
+          <a:p>
             <a:endParaRPr lang="en-GB" sz="2400" dirty="0">
               <a:solidFill>
                 <a:srgbClr val="3C8AC5"/>
@@ -8042,7 +8049,7 @@
         </p:blipFill>
         <p:spPr bwMode="auto">
           <a:xfrm>
-            <a:off x="2251745" y="4552348"/>
+            <a:off x="796378" y="4470817"/>
             <a:ext cx="1457936" cy="1457936"/>
           </a:xfrm>
           <a:prstGeom prst="rect">
